--- a/Documents/Refactoring.pptx
+++ b/Documents/Refactoring.pptx
@@ -6,7 +6,7 @@
   </p:sldMasterIdLst>
   <p:sldIdLst>
     <p:sldId id="256" r:id="rId2"/>
-    <p:sldId id="258" r:id="rId3"/>
+    <p:sldId id="259" r:id="rId3"/>
     <p:sldId id="257" r:id="rId4"/>
   </p:sldIdLst>
   <p:sldSz cx="12192000" cy="6858000"/>
@@ -106,6 +106,11 @@
       </a:defRPr>
     </a:lvl9pPr>
   </p:defaultTextStyle>
+  <p:extLst>
+    <p:ext uri="{EFAFB233-063F-42B5-8137-9DF3F51BA10A}">
+      <p15:sldGuideLst xmlns:p15="http://schemas.microsoft.com/office/powerpoint/2012/main"/>
+    </p:ext>
+  </p:extLst>
 </p:presentation>
 </file>
 
@@ -279,7 +284,7 @@
           <a:p>
             <a:fld id="{48A87A34-81AB-432B-8DAE-1953F412C126}" type="datetimeFigureOut">
               <a:rPr lang="en-US" dirty="0"/>
-              <a:t>2/23/2016</a:t>
+              <a:t>2/24/2016</a:t>
             </a:fld>
             <a:endParaRPr lang="en-US" dirty="0"/>
           </a:p>
@@ -541,7 +546,7 @@
           <a:p>
             <a:fld id="{48A87A34-81AB-432B-8DAE-1953F412C126}" type="datetimeFigureOut">
               <a:rPr lang="en-US" dirty="0"/>
-              <a:t>2/23/2016</a:t>
+              <a:t>2/24/2016</a:t>
             </a:fld>
             <a:endParaRPr lang="en-US" dirty="0"/>
           </a:p>
@@ -768,7 +773,7 @@
             <a:fld id="{48A87A34-81AB-432B-8DAE-1953F412C126}" type="datetimeFigureOut">
               <a:rPr lang="en-US" dirty="0"/>
               <a:pPr/>
-              <a:t>2/23/2016</a:t>
+              <a:t>2/24/2016</a:t>
             </a:fld>
             <a:endParaRPr lang="en-US" dirty="0"/>
           </a:p>
@@ -1074,7 +1079,7 @@
             <a:fld id="{48A87A34-81AB-432B-8DAE-1953F412C126}" type="datetimeFigureOut">
               <a:rPr lang="en-US" dirty="0"/>
               <a:pPr/>
-              <a:t>2/23/2016</a:t>
+              <a:t>2/24/2016</a:t>
             </a:fld>
             <a:endParaRPr lang="en-US" dirty="0"/>
           </a:p>
@@ -1543,7 +1548,7 @@
             <a:fld id="{48A87A34-81AB-432B-8DAE-1953F412C126}" type="datetimeFigureOut">
               <a:rPr lang="en-US" dirty="0"/>
               <a:pPr/>
-              <a:t>2/23/2016</a:t>
+              <a:t>2/24/2016</a:t>
             </a:fld>
             <a:endParaRPr lang="en-US" dirty="0"/>
           </a:p>
@@ -2085,7 +2090,7 @@
           <a:p>
             <a:fld id="{48A87A34-81AB-432B-8DAE-1953F412C126}" type="datetimeFigureOut">
               <a:rPr lang="en-US" dirty="0"/>
-              <a:t>2/23/2016</a:t>
+              <a:t>2/24/2016</a:t>
             </a:fld>
             <a:endParaRPr lang="en-US" dirty="0"/>
           </a:p>
@@ -2854,7 +2859,7 @@
           <a:p>
             <a:fld id="{48A87A34-81AB-432B-8DAE-1953F412C126}" type="datetimeFigureOut">
               <a:rPr lang="en-US" dirty="0"/>
-              <a:t>2/23/2016</a:t>
+              <a:t>2/24/2016</a:t>
             </a:fld>
             <a:endParaRPr lang="en-US" dirty="0"/>
           </a:p>
@@ -3024,7 +3029,7 @@
           <a:p>
             <a:fld id="{48A87A34-81AB-432B-8DAE-1953F412C126}" type="datetimeFigureOut">
               <a:rPr lang="en-US" dirty="0"/>
-              <a:t>2/23/2016</a:t>
+              <a:t>2/24/2016</a:t>
             </a:fld>
             <a:endParaRPr lang="en-US" dirty="0"/>
           </a:p>
@@ -3243,7 +3248,7 @@
             <a:fld id="{48A87A34-81AB-432B-8DAE-1953F412C126}" type="datetimeFigureOut">
               <a:rPr lang="en-US" dirty="0"/>
               <a:pPr/>
-              <a:t>2/23/2016</a:t>
+              <a:t>2/24/2016</a:t>
             </a:fld>
             <a:endParaRPr lang="en-US" dirty="0"/>
           </a:p>
@@ -3418,7 +3423,7 @@
           <a:p>
             <a:fld id="{48A87A34-81AB-432B-8DAE-1953F412C126}" type="datetimeFigureOut">
               <a:rPr lang="en-US" dirty="0"/>
-              <a:t>2/23/2016</a:t>
+              <a:t>2/24/2016</a:t>
             </a:fld>
             <a:endParaRPr lang="en-US" dirty="0"/>
           </a:p>
@@ -3703,7 +3708,7 @@
             <a:fld id="{48A87A34-81AB-432B-8DAE-1953F412C126}" type="datetimeFigureOut">
               <a:rPr lang="en-US" dirty="0"/>
               <a:pPr/>
-              <a:t>2/23/2016</a:t>
+              <a:t>2/24/2016</a:t>
             </a:fld>
             <a:endParaRPr lang="en-US" dirty="0"/>
           </a:p>
@@ -3940,7 +3945,7 @@
           <a:p>
             <a:fld id="{48A87A34-81AB-432B-8DAE-1953F412C126}" type="datetimeFigureOut">
               <a:rPr lang="en-US" dirty="0"/>
-              <a:t>2/23/2016</a:t>
+              <a:t>2/24/2016</a:t>
             </a:fld>
             <a:endParaRPr lang="en-US" dirty="0"/>
           </a:p>
@@ -4314,7 +4319,7 @@
           <a:p>
             <a:fld id="{48A87A34-81AB-432B-8DAE-1953F412C126}" type="datetimeFigureOut">
               <a:rPr lang="en-US" dirty="0"/>
-              <a:t>2/23/2016</a:t>
+              <a:t>2/24/2016</a:t>
             </a:fld>
             <a:endParaRPr lang="en-US" dirty="0"/>
           </a:p>
@@ -4427,7 +4432,7 @@
           <a:p>
             <a:fld id="{48A87A34-81AB-432B-8DAE-1953F412C126}" type="datetimeFigureOut">
               <a:rPr lang="en-US" dirty="0"/>
-              <a:t>2/23/2016</a:t>
+              <a:t>2/24/2016</a:t>
             </a:fld>
             <a:endParaRPr lang="en-US" dirty="0"/>
           </a:p>
@@ -4517,7 +4522,7 @@
           <a:p>
             <a:fld id="{48A87A34-81AB-432B-8DAE-1953F412C126}" type="datetimeFigureOut">
               <a:rPr lang="en-US" dirty="0"/>
-              <a:t>2/23/2016</a:t>
+              <a:t>2/24/2016</a:t>
             </a:fld>
             <a:endParaRPr lang="en-US" dirty="0"/>
           </a:p>
@@ -4761,7 +4766,7 @@
           <a:p>
             <a:fld id="{48A87A34-81AB-432B-8DAE-1953F412C126}" type="datetimeFigureOut">
               <a:rPr lang="en-US" dirty="0"/>
-              <a:t>2/23/2016</a:t>
+              <a:t>2/24/2016</a:t>
             </a:fld>
             <a:endParaRPr lang="en-US" dirty="0"/>
           </a:p>
@@ -5013,7 +5018,7 @@
           <a:p>
             <a:fld id="{48A87A34-81AB-432B-8DAE-1953F412C126}" type="datetimeFigureOut">
               <a:rPr lang="en-US" dirty="0"/>
-              <a:t>2/23/2016</a:t>
+              <a:t>2/24/2016</a:t>
             </a:fld>
             <a:endParaRPr lang="en-US" dirty="0"/>
           </a:p>
@@ -5252,7 +5257,7 @@
             <a:fld id="{48A87A34-81AB-432B-8DAE-1953F412C126}" type="datetimeFigureOut">
               <a:rPr lang="en-US" dirty="0"/>
               <a:pPr/>
-              <a:t>2/23/2016</a:t>
+              <a:t>2/24/2016</a:t>
             </a:fld>
             <a:endParaRPr lang="en-US" dirty="0"/>
           </a:p>
@@ -5697,6 +5702,14 @@
           <a:bodyPr/>
           <a:lstStyle/>
           <a:p>
+            <a:r>
+              <a:rPr lang="en-GB" dirty="0" smtClean="0"/>
+              <a:t>r</a:t>
+            </a:r>
+            <a:r>
+              <a:rPr lang="en-GB" dirty="0" smtClean="0"/>
+              <a:t>efactoring.azurewebsites.net  - all code and links from presentation</a:t>
+            </a:r>
             <a:endParaRPr lang="en-GB" dirty="0"/>
           </a:p>
         </p:txBody>
@@ -5755,7 +5768,7 @@
           <a:p>
             <a:r>
               <a:rPr lang="en-GB" dirty="0" smtClean="0"/>
-              <a:t>Smelly code</a:t>
+              <a:t>3 steps to good code</a:t>
             </a:r>
             <a:endParaRPr lang="en-GB" dirty="0"/>
           </a:p>
@@ -5773,46 +5786,35 @@
         </p:nvSpPr>
         <p:spPr/>
         <p:txBody>
-          <a:bodyPr/>
-          <a:lstStyle/>
-          <a:p>
-            <a:pPr marL="0" indent="0">
-              <a:buNone/>
-            </a:pPr>
-            <a:r>
-              <a:rPr lang="en-GB" sz="4400" b="1" dirty="0" smtClean="0"/>
-              <a:t>“ </a:t>
-            </a:r>
-            <a:r>
-              <a:rPr lang="en-GB" sz="4400" b="1" dirty="0"/>
-              <a:t>Its' a bit like reading when your not happy about there </a:t>
-            </a:r>
-            <a:r>
-              <a:rPr lang="en-GB" sz="4400" b="1" dirty="0" err="1"/>
-              <a:t>grammer</a:t>
-            </a:r>
-            <a:r>
-              <a:rPr lang="en-GB" sz="4400" b="1" dirty="0"/>
-              <a:t> and spelling and inconsistent  spacing and,  commas</a:t>
-            </a:r>
-            <a:r>
-              <a:rPr lang="en-GB" sz="4400" b="1" dirty="0" smtClean="0"/>
-              <a:t>.”</a:t>
-            </a:r>
-            <a:endParaRPr lang="en-GB" sz="4400" b="1" dirty="0"/>
-          </a:p>
-          <a:p>
-            <a:pPr marL="0" indent="0">
-              <a:buNone/>
-            </a:pPr>
-            <a:endParaRPr lang="en-GB" dirty="0"/>
+          <a:bodyPr>
+            <a:normAutofit/>
+          </a:bodyPr>
+          <a:lstStyle/>
+          <a:p>
+            <a:r>
+              <a:rPr lang="en-GB" sz="4400" dirty="0" smtClean="0"/>
+              <a:t> Simple checks</a:t>
+            </a:r>
+          </a:p>
+          <a:p>
+            <a:r>
+              <a:rPr lang="en-GB" sz="4400" dirty="0" smtClean="0"/>
+              <a:t> Renames and Auto Refactors</a:t>
+            </a:r>
+          </a:p>
+          <a:p>
+            <a:r>
+              <a:rPr lang="en-GB" sz="4400" dirty="0" smtClean="0"/>
+              <a:t> Long</a:t>
+            </a:r>
+            <a:endParaRPr lang="en-GB" sz="4400" dirty="0"/>
           </a:p>
         </p:txBody>
       </p:sp>
     </p:spTree>
     <p:extLst>
       <p:ext uri="{BB962C8B-B14F-4D97-AF65-F5344CB8AC3E}">
-        <p14:creationId xmlns:p14="http://schemas.microsoft.com/office/powerpoint/2010/main" val="2475151146"/>
+        <p14:creationId xmlns:p14="http://schemas.microsoft.com/office/powerpoint/2010/main" val="2989163090"/>
       </p:ext>
     </p:extLst>
   </p:cSld>
